--- a/lecture/vector_matrices/vector_matrices_v3.pptx
+++ b/lecture/vector_matrices/vector_matrices_v3.pptx
@@ -243,7 +243,7 @@
           <a:p>
             <a:fld id="{085428F3-B408-4C73-B6CB-14C24F24D2AD}" type="datetimeFigureOut">
               <a:rPr lang="en-US" smtClean="0"/>
-              <a:t>4/18/2019</a:t>
+              <a:t>4/26/2019</a:t>
             </a:fld>
             <a:endParaRPr lang="en-US"/>
           </a:p>
@@ -1200,7 +1200,7 @@
           <a:p>
             <a:fld id="{EA5CD5D7-1376-454F-9D0D-56EF872F8D99}" type="datetimeFigureOut">
               <a:rPr lang="en-US" smtClean="0"/>
-              <a:t>4/18/2019</a:t>
+              <a:t>4/26/2019</a:t>
             </a:fld>
             <a:endParaRPr lang="en-US"/>
           </a:p>
@@ -4984,6 +4984,13 @@
   <p:clrMapOvr>
     <a:masterClrMapping/>
   </p:clrMapOvr>
+  <p:timing>
+    <p:tnLst>
+      <p:par>
+        <p:cTn id="1" dur="indefinite" restart="never" nodeType="tmRoot"/>
+      </p:par>
+    </p:tnLst>
+  </p:timing>
 </p:sld>
 </file>
 
@@ -5405,6 +5412,13 @@
   <p:clrMapOvr>
     <a:masterClrMapping/>
   </p:clrMapOvr>
+  <p:timing>
+    <p:tnLst>
+      <p:par>
+        <p:cTn id="1" dur="indefinite" restart="never" nodeType="tmRoot"/>
+      </p:par>
+    </p:tnLst>
+  </p:timing>
 </p:sld>
 </file>
 
@@ -5935,6 +5949,13 @@
   <p:clrMapOvr>
     <a:masterClrMapping/>
   </p:clrMapOvr>
+  <p:timing>
+    <p:tnLst>
+      <p:par>
+        <p:cTn id="1" dur="indefinite" restart="never" nodeType="tmRoot"/>
+      </p:par>
+    </p:tnLst>
+  </p:timing>
 </p:sld>
 </file>
 
@@ -6431,6 +6452,13 @@
   <p:clrMapOvr>
     <a:masterClrMapping/>
   </p:clrMapOvr>
+  <p:timing>
+    <p:tnLst>
+      <p:par>
+        <p:cTn id="1" dur="indefinite" restart="never" nodeType="tmRoot"/>
+      </p:par>
+    </p:tnLst>
+  </p:timing>
 </p:sld>
 </file>
 
@@ -19486,6 +19514,13 @@
   <p:clrMapOvr>
     <a:masterClrMapping/>
   </p:clrMapOvr>
+  <p:timing>
+    <p:tnLst>
+      <p:par>
+        <p:cTn id="1" dur="indefinite" restart="never" nodeType="tmRoot"/>
+      </p:par>
+    </p:tnLst>
+  </p:timing>
 </p:sld>
 </file>
 
@@ -19575,6 +19610,13 @@
   <p:clrMapOvr>
     <a:masterClrMapping/>
   </p:clrMapOvr>
+  <p:timing>
+    <p:tnLst>
+      <p:par>
+        <p:cTn id="1" dur="indefinite" restart="never" nodeType="tmRoot"/>
+      </p:par>
+    </p:tnLst>
+  </p:timing>
 </p:sld>
 </file>
 
@@ -19979,6 +20021,13 @@
   <p:clrMapOvr>
     <a:masterClrMapping/>
   </p:clrMapOvr>
+  <p:timing>
+    <p:tnLst>
+      <p:par>
+        <p:cTn id="1" dur="indefinite" restart="never" nodeType="tmRoot"/>
+      </p:par>
+    </p:tnLst>
+  </p:timing>
 </p:sld>
 </file>
 
